--- a/WindTurbine/Final Report/New Microsoft PowerPoint Presentation.pptx
+++ b/WindTurbine/Final Report/New Microsoft PowerPoint Presentation.pptx
@@ -117,6 +117,11 @@
       </a:defRPr>
     </a:lvl9pPr>
   </p:defaultTextStyle>
+  <p:extLst>
+    <p:ext uri="{EFAFB233-063F-42B5-8137-9DF3F51BA10A}">
+      <p15:sldGuideLst xmlns:p15="http://schemas.microsoft.com/office/powerpoint/2012/main"/>
+    </p:ext>
+  </p:extLst>
 </p:presentation>
 </file>
 
@@ -267,7 +272,7 @@
           <a:p>
             <a:fld id="{245E6331-5A96-4243-9A3E-BA47D7975EEC}" type="datetimeFigureOut">
               <a:rPr lang="en-US" smtClean="0"/>
-              <a:t>12/13/2022</a:t>
+              <a:t>1/1/2023</a:t>
             </a:fld>
             <a:endParaRPr lang="en-US"/>
           </a:p>
@@ -465,7 +470,7 @@
           <a:p>
             <a:fld id="{245E6331-5A96-4243-9A3E-BA47D7975EEC}" type="datetimeFigureOut">
               <a:rPr lang="en-US" smtClean="0"/>
-              <a:t>12/13/2022</a:t>
+              <a:t>1/1/2023</a:t>
             </a:fld>
             <a:endParaRPr lang="en-US"/>
           </a:p>
@@ -673,7 +678,7 @@
           <a:p>
             <a:fld id="{245E6331-5A96-4243-9A3E-BA47D7975EEC}" type="datetimeFigureOut">
               <a:rPr lang="en-US" smtClean="0"/>
-              <a:t>12/13/2022</a:t>
+              <a:t>1/1/2023</a:t>
             </a:fld>
             <a:endParaRPr lang="en-US"/>
           </a:p>
@@ -871,7 +876,7 @@
           <a:p>
             <a:fld id="{245E6331-5A96-4243-9A3E-BA47D7975EEC}" type="datetimeFigureOut">
               <a:rPr lang="en-US" smtClean="0"/>
-              <a:t>12/13/2022</a:t>
+              <a:t>1/1/2023</a:t>
             </a:fld>
             <a:endParaRPr lang="en-US"/>
           </a:p>
@@ -1146,7 +1151,7 @@
           <a:p>
             <a:fld id="{245E6331-5A96-4243-9A3E-BA47D7975EEC}" type="datetimeFigureOut">
               <a:rPr lang="en-US" smtClean="0"/>
-              <a:t>12/13/2022</a:t>
+              <a:t>1/1/2023</a:t>
             </a:fld>
             <a:endParaRPr lang="en-US"/>
           </a:p>
@@ -1411,7 +1416,7 @@
           <a:p>
             <a:fld id="{245E6331-5A96-4243-9A3E-BA47D7975EEC}" type="datetimeFigureOut">
               <a:rPr lang="en-US" smtClean="0"/>
-              <a:t>12/13/2022</a:t>
+              <a:t>1/1/2023</a:t>
             </a:fld>
             <a:endParaRPr lang="en-US"/>
           </a:p>
@@ -1823,7 +1828,7 @@
           <a:p>
             <a:fld id="{245E6331-5A96-4243-9A3E-BA47D7975EEC}" type="datetimeFigureOut">
               <a:rPr lang="en-US" smtClean="0"/>
-              <a:t>12/13/2022</a:t>
+              <a:t>1/1/2023</a:t>
             </a:fld>
             <a:endParaRPr lang="en-US"/>
           </a:p>
@@ -1964,7 +1969,7 @@
           <a:p>
             <a:fld id="{245E6331-5A96-4243-9A3E-BA47D7975EEC}" type="datetimeFigureOut">
               <a:rPr lang="en-US" smtClean="0"/>
-              <a:t>12/13/2022</a:t>
+              <a:t>1/1/2023</a:t>
             </a:fld>
             <a:endParaRPr lang="en-US"/>
           </a:p>
@@ -2077,7 +2082,7 @@
           <a:p>
             <a:fld id="{245E6331-5A96-4243-9A3E-BA47D7975EEC}" type="datetimeFigureOut">
               <a:rPr lang="en-US" smtClean="0"/>
-              <a:t>12/13/2022</a:t>
+              <a:t>1/1/2023</a:t>
             </a:fld>
             <a:endParaRPr lang="en-US"/>
           </a:p>
@@ -2388,7 +2393,7 @@
           <a:p>
             <a:fld id="{245E6331-5A96-4243-9A3E-BA47D7975EEC}" type="datetimeFigureOut">
               <a:rPr lang="en-US" smtClean="0"/>
-              <a:t>12/13/2022</a:t>
+              <a:t>1/1/2023</a:t>
             </a:fld>
             <a:endParaRPr lang="en-US"/>
           </a:p>
@@ -2676,7 +2681,7 @@
           <a:p>
             <a:fld id="{245E6331-5A96-4243-9A3E-BA47D7975EEC}" type="datetimeFigureOut">
               <a:rPr lang="en-US" smtClean="0"/>
-              <a:t>12/13/2022</a:t>
+              <a:t>1/1/2023</a:t>
             </a:fld>
             <a:endParaRPr lang="en-US"/>
           </a:p>
@@ -2917,7 +2922,7 @@
           <a:p>
             <a:fld id="{245E6331-5A96-4243-9A3E-BA47D7975EEC}" type="datetimeFigureOut">
               <a:rPr lang="en-US" smtClean="0"/>
-              <a:t>12/13/2022</a:t>
+              <a:t>1/1/2023</a:t>
             </a:fld>
             <a:endParaRPr lang="en-US"/>
           </a:p>
@@ -3498,8 +3503,8 @@
           </a:p>
         </p:txBody>
       </p:sp>
-      <mc:AlternateContent xmlns:mc="http://schemas.openxmlformats.org/markup-compatibility/2006">
-        <mc:Choice xmlns:a14="http://schemas.microsoft.com/office/drawing/2010/main" Requires="a14">
+      <mc:AlternateContent xmlns:mc="http://schemas.openxmlformats.org/markup-compatibility/2006" xmlns:a14="http://schemas.microsoft.com/office/drawing/2010/main">
+        <mc:Choice Requires="a14">
           <p:sp>
             <p:nvSpPr>
               <p:cNvPr id="4" name="Rectangle 3">
@@ -3605,7 +3610,7 @@
             </p:txBody>
           </p:sp>
         </mc:Choice>
-        <mc:Fallback>
+        <mc:Fallback xmlns="">
           <p:sp>
             <p:nvSpPr>
               <p:cNvPr id="4" name="Rectangle 3">
@@ -3650,8 +3655,8 @@
           </p:sp>
         </mc:Fallback>
       </mc:AlternateContent>
-      <mc:AlternateContent xmlns:mc="http://schemas.openxmlformats.org/markup-compatibility/2006">
-        <mc:Choice xmlns:a14="http://schemas.microsoft.com/office/drawing/2010/main" Requires="a14">
+      <mc:AlternateContent xmlns:mc="http://schemas.openxmlformats.org/markup-compatibility/2006" xmlns:a14="http://schemas.microsoft.com/office/drawing/2010/main">
+        <mc:Choice Requires="a14">
           <p:graphicFrame>
             <p:nvGraphicFramePr>
               <p:cNvPr id="5" name="Table 4">
@@ -4697,7 +4702,7 @@
             </a:graphic>
           </p:graphicFrame>
         </mc:Choice>
-        <mc:Fallback>
+        <mc:Fallback xmlns="">
           <p:graphicFrame>
             <p:nvGraphicFramePr>
               <p:cNvPr id="5" name="Table 4">
@@ -5446,8 +5451,8 @@
           </a:prstGeom>
         </p:spPr>
       </p:pic>
-      <mc:AlternateContent xmlns:mc="http://schemas.openxmlformats.org/markup-compatibility/2006">
-        <mc:Choice xmlns:a14="http://schemas.microsoft.com/office/drawing/2010/main" Requires="a14">
+      <mc:AlternateContent xmlns:mc="http://schemas.openxmlformats.org/markup-compatibility/2006" xmlns:a14="http://schemas.microsoft.com/office/drawing/2010/main">
+        <mc:Choice Requires="a14">
           <p:sp>
             <p:nvSpPr>
               <p:cNvPr id="6" name="Rectangle 5">
@@ -5475,6 +5480,7 @@
               </a:bodyPr>
               <a:lstStyle/>
               <a:p>
+                <a:pPr/>
                 <a14:m>
                   <m:oMathPara xmlns:m="http://schemas.openxmlformats.org/officeDocument/2006/math">
                     <m:oMathParaPr>
@@ -5484,7 +5490,7 @@
                       <m:sSub>
                         <m:sSubPr>
                           <m:ctrlPr>
-                            <a:rPr lang="en-US" smtClean="0">
+                            <a:rPr lang="en-US" i="1" smtClean="0">
                               <a:latin typeface="Cambria Math" panose="02040503050406030204" pitchFamily="18" charset="0"/>
                             </a:rPr>
                           </m:ctrlPr>
@@ -5763,7 +5769,7 @@
             </p:txBody>
           </p:sp>
         </mc:Choice>
-        <mc:Fallback>
+        <mc:Fallback xmlns="">
           <p:sp>
             <p:nvSpPr>
               <p:cNvPr id="6" name="Rectangle 5">
@@ -5808,8 +5814,8 @@
           </p:sp>
         </mc:Fallback>
       </mc:AlternateContent>
-      <mc:AlternateContent xmlns:mc="http://schemas.openxmlformats.org/markup-compatibility/2006">
-        <mc:Choice xmlns:a14="http://schemas.microsoft.com/office/drawing/2010/main" Requires="a14">
+      <mc:AlternateContent xmlns:mc="http://schemas.openxmlformats.org/markup-compatibility/2006" xmlns:a14="http://schemas.microsoft.com/office/drawing/2010/main">
+        <mc:Choice Requires="a14">
           <p:graphicFrame>
             <p:nvGraphicFramePr>
               <p:cNvPr id="7" name="Table 6">
@@ -6803,7 +6809,7 @@
             </a:graphic>
           </p:graphicFrame>
         </mc:Choice>
-        <mc:Fallback>
+        <mc:Fallback xmlns="">
           <p:graphicFrame>
             <p:nvGraphicFramePr>
               <p:cNvPr id="7" name="Table 6">
@@ -7552,8 +7558,8 @@
           </a:prstGeom>
         </p:spPr>
       </p:pic>
-      <mc:AlternateContent xmlns:mc="http://schemas.openxmlformats.org/markup-compatibility/2006">
-        <mc:Choice xmlns:a14="http://schemas.microsoft.com/office/drawing/2010/main" Requires="a14">
+      <mc:AlternateContent xmlns:mc="http://schemas.openxmlformats.org/markup-compatibility/2006" xmlns:a14="http://schemas.microsoft.com/office/drawing/2010/main">
+        <mc:Choice Requires="a14">
           <p:sp>
             <p:nvSpPr>
               <p:cNvPr id="6" name="Rectangle 5">
@@ -7581,6 +7587,7 @@
               </a:bodyPr>
               <a:lstStyle/>
               <a:p>
+                <a:pPr/>
                 <a14:m>
                   <m:oMathPara xmlns:m="http://schemas.openxmlformats.org/officeDocument/2006/math">
                     <m:oMathParaPr>
@@ -7590,7 +7597,7 @@
                       <m:sSub>
                         <m:sSubPr>
                           <m:ctrlPr>
-                            <a:rPr lang="en-US" smtClean="0">
+                            <a:rPr lang="en-US" i="1" smtClean="0">
                               <a:latin typeface="Cambria Math" panose="02040503050406030204" pitchFamily="18" charset="0"/>
                             </a:rPr>
                           </m:ctrlPr>
@@ -7869,7 +7876,7 @@
             </p:txBody>
           </p:sp>
         </mc:Choice>
-        <mc:Fallback>
+        <mc:Fallback xmlns="">
           <p:sp>
             <p:nvSpPr>
               <p:cNvPr id="6" name="Rectangle 5">
@@ -7914,8 +7921,8 @@
           </p:sp>
         </mc:Fallback>
       </mc:AlternateContent>
-      <mc:AlternateContent xmlns:mc="http://schemas.openxmlformats.org/markup-compatibility/2006">
-        <mc:Choice xmlns:a14="http://schemas.microsoft.com/office/drawing/2010/main" Requires="a14">
+      <mc:AlternateContent xmlns:mc="http://schemas.openxmlformats.org/markup-compatibility/2006" xmlns:a14="http://schemas.microsoft.com/office/drawing/2010/main">
+        <mc:Choice Requires="a14">
           <p:graphicFrame>
             <p:nvGraphicFramePr>
               <p:cNvPr id="7" name="Table 6">
@@ -8903,7 +8910,7 @@
             </a:graphic>
           </p:graphicFrame>
         </mc:Choice>
-        <mc:Fallback>
+        <mc:Fallback xmlns="">
           <p:graphicFrame>
             <p:nvGraphicFramePr>
               <p:cNvPr id="7" name="Table 6">
@@ -9647,8 +9654,8 @@
           </a:prstGeom>
         </p:spPr>
       </p:pic>
-      <mc:AlternateContent xmlns:mc="http://schemas.openxmlformats.org/markup-compatibility/2006">
-        <mc:Choice xmlns:a14="http://schemas.microsoft.com/office/drawing/2010/main" Requires="a14">
+      <mc:AlternateContent xmlns:mc="http://schemas.openxmlformats.org/markup-compatibility/2006" xmlns:a14="http://schemas.microsoft.com/office/drawing/2010/main">
+        <mc:Choice Requires="a14">
           <p:graphicFrame>
             <p:nvGraphicFramePr>
               <p:cNvPr id="5" name="Table 4">
@@ -11340,7 +11347,7 @@
             </a:graphic>
           </p:graphicFrame>
         </mc:Choice>
-        <mc:Fallback>
+        <mc:Fallback xmlns="">
           <p:graphicFrame>
             <p:nvGraphicFramePr>
               <p:cNvPr id="5" name="Table 4">
@@ -12105,8 +12112,8 @@
           </a:prstGeom>
         </p:spPr>
       </p:pic>
-      <mc:AlternateContent xmlns:mc="http://schemas.openxmlformats.org/markup-compatibility/2006">
-        <mc:Choice xmlns:a14="http://schemas.microsoft.com/office/drawing/2010/main" Requires="a14">
+      <mc:AlternateContent xmlns:mc="http://schemas.openxmlformats.org/markup-compatibility/2006" xmlns:a14="http://schemas.microsoft.com/office/drawing/2010/main">
+        <mc:Choice Requires="a14">
           <p:graphicFrame>
             <p:nvGraphicFramePr>
               <p:cNvPr id="5" name="Table 4">
@@ -13076,7 +13083,7 @@
             </a:graphic>
           </p:graphicFrame>
         </mc:Choice>
-        <mc:Fallback>
+        <mc:Fallback xmlns="">
           <p:graphicFrame>
             <p:nvGraphicFramePr>
               <p:cNvPr id="5" name="Table 4">
@@ -14006,7 +14013,7 @@
         </p:blipFill>
         <p:spPr>
           <a:xfrm>
-            <a:off x="6771818" y="-111193"/>
+            <a:off x="6797076" y="-97673"/>
             <a:ext cx="3632811" cy="3526673"/>
           </a:xfrm>
           <a:prstGeom prst="rect">
@@ -14036,8 +14043,8 @@
         </p:blipFill>
         <p:spPr>
           <a:xfrm>
-            <a:off x="6691918" y="3127154"/>
-            <a:ext cx="3843128" cy="3730845"/>
+            <a:off x="6797075" y="3242550"/>
+            <a:ext cx="3632811" cy="3526673"/>
           </a:xfrm>
           <a:prstGeom prst="rect">
             <a:avLst/>
@@ -14074,8 +14081,8 @@
           <a:chExt cx="0" cy="0"/>
         </a:xfrm>
       </p:grpSpPr>
-      <mc:AlternateContent xmlns:mc="http://schemas.openxmlformats.org/markup-compatibility/2006">
-        <mc:Choice xmlns:a14="http://schemas.microsoft.com/office/drawing/2010/main" Requires="a14">
+      <mc:AlternateContent xmlns:mc="http://schemas.openxmlformats.org/markup-compatibility/2006" xmlns:a14="http://schemas.microsoft.com/office/drawing/2010/main">
+        <mc:Choice Requires="a14">
           <p:graphicFrame>
             <p:nvGraphicFramePr>
               <p:cNvPr id="5" name="Table 4">
@@ -16557,7 +16564,7 @@
             </a:graphic>
           </p:graphicFrame>
         </mc:Choice>
-        <mc:Fallback>
+        <mc:Fallback xmlns="">
           <p:graphicFrame>
             <p:nvGraphicFramePr>
               <p:cNvPr id="5" name="Table 4">
